--- a/Data Analysis 1.pptx
+++ b/Data Analysis 1.pptx
@@ -30,21 +30,22 @@
     <p:sldId id="275" r:id="rId26"/>
     <p:sldId id="276" r:id="rId27"/>
     <p:sldId id="277" r:id="rId28"/>
+    <p:sldId id="278" r:id="rId29"/>
   </p:sldIdLst>
   <p:sldSz cy="5143500" cx="9144000"/>
   <p:notesSz cx="6858000" cy="9144000"/>
   <p:embeddedFontLst>
     <p:embeddedFont>
       <p:font typeface="Nunito"/>
-      <p:regular r:id="rId29"/>
-      <p:bold r:id="rId30"/>
-      <p:italic r:id="rId31"/>
-      <p:boldItalic r:id="rId32"/>
+      <p:regular r:id="rId30"/>
+      <p:bold r:id="rId31"/>
+      <p:italic r:id="rId32"/>
+      <p:boldItalic r:id="rId33"/>
     </p:embeddedFont>
     <p:embeddedFont>
       <p:font typeface="Maven Pro"/>
-      <p:regular r:id="rId33"/>
-      <p:bold r:id="rId34"/>
+      <p:regular r:id="rId34"/>
+      <p:bold r:id="rId35"/>
     </p:embeddedFont>
   </p:embeddedFontLst>
   <p:defaultTextStyle>
@@ -938,7 +939,7 @@
       </p:grpSpPr>
       <p:sp>
         <p:nvSpPr>
-          <p:cNvPr id="342" name="Google Shape;342;g2e737422ad0_0_71:notes"/>
+          <p:cNvPr id="342" name="Google Shape;342;g2e73ae7b2bd_0_0:notes"/>
           <p:cNvSpPr/>
           <p:nvPr>
             <p:ph idx="2" type="sldImg"/>
@@ -973,7 +974,7 @@
       </p:sp>
       <p:sp>
         <p:nvSpPr>
-          <p:cNvPr id="343" name="Google Shape;343;g2e737422ad0_0_71:notes"/>
+          <p:cNvPr id="343" name="Google Shape;343;g2e73ae7b2bd_0_0:notes"/>
           <p:cNvSpPr txBox="1"/>
           <p:nvPr>
             <p:ph idx="1" type="body"/>
@@ -1023,7 +1024,7 @@
   <p:cSld>
     <p:spTree>
       <p:nvGrpSpPr>
-        <p:cNvPr id="347" name="Shape 347"/>
+        <p:cNvPr id="348" name="Shape 348"/>
         <p:cNvGrpSpPr/>
         <p:nvPr/>
       </p:nvGrpSpPr>
@@ -1037,7 +1038,7 @@
       </p:grpSpPr>
       <p:sp>
         <p:nvSpPr>
-          <p:cNvPr id="348" name="Google Shape;348;g2e737422ad0_0_77:notes"/>
+          <p:cNvPr id="349" name="Google Shape;349;g2e737422ad0_0_71:notes"/>
           <p:cNvSpPr/>
           <p:nvPr>
             <p:ph idx="2" type="sldImg"/>
@@ -1072,7 +1073,7 @@
       </p:sp>
       <p:sp>
         <p:nvSpPr>
-          <p:cNvPr id="349" name="Google Shape;349;g2e737422ad0_0_77:notes"/>
+          <p:cNvPr id="350" name="Google Shape;350;g2e737422ad0_0_71:notes"/>
           <p:cNvSpPr txBox="1"/>
           <p:nvPr>
             <p:ph idx="1" type="body"/>
@@ -1136,7 +1137,7 @@
       </p:grpSpPr>
       <p:sp>
         <p:nvSpPr>
-          <p:cNvPr id="355" name="Google Shape;355;g2e737422ad0_0_83:notes"/>
+          <p:cNvPr id="355" name="Google Shape;355;g2e737422ad0_0_77:notes"/>
           <p:cNvSpPr/>
           <p:nvPr>
             <p:ph idx="2" type="sldImg"/>
@@ -1171,7 +1172,7 @@
       </p:sp>
       <p:sp>
         <p:nvSpPr>
-          <p:cNvPr id="356" name="Google Shape;356;g2e737422ad0_0_83:notes"/>
+          <p:cNvPr id="356" name="Google Shape;356;g2e737422ad0_0_77:notes"/>
           <p:cNvSpPr txBox="1"/>
           <p:nvPr>
             <p:ph idx="1" type="body"/>
@@ -1235,7 +1236,7 @@
       </p:grpSpPr>
       <p:sp>
         <p:nvSpPr>
-          <p:cNvPr id="362" name="Google Shape;362;g2e737422ad0_0_89:notes"/>
+          <p:cNvPr id="362" name="Google Shape;362;g2e737422ad0_0_83:notes"/>
           <p:cNvSpPr/>
           <p:nvPr>
             <p:ph idx="2" type="sldImg"/>
@@ -1270,7 +1271,7 @@
       </p:sp>
       <p:sp>
         <p:nvSpPr>
-          <p:cNvPr id="363" name="Google Shape;363;g2e737422ad0_0_89:notes"/>
+          <p:cNvPr id="363" name="Google Shape;363;g2e737422ad0_0_83:notes"/>
           <p:cNvSpPr txBox="1"/>
           <p:nvPr>
             <p:ph idx="1" type="body"/>
@@ -1334,7 +1335,7 @@
       </p:grpSpPr>
       <p:sp>
         <p:nvSpPr>
-          <p:cNvPr id="369" name="Google Shape;369;g2e737422ad0_0_95:notes"/>
+          <p:cNvPr id="369" name="Google Shape;369;g2e737422ad0_0_89:notes"/>
           <p:cNvSpPr/>
           <p:nvPr>
             <p:ph idx="2" type="sldImg"/>
@@ -1369,7 +1370,7 @@
       </p:sp>
       <p:sp>
         <p:nvSpPr>
-          <p:cNvPr id="370" name="Google Shape;370;g2e737422ad0_0_95:notes"/>
+          <p:cNvPr id="370" name="Google Shape;370;g2e737422ad0_0_89:notes"/>
           <p:cNvSpPr txBox="1"/>
           <p:nvPr>
             <p:ph idx="1" type="body"/>
@@ -1433,7 +1434,7 @@
       </p:grpSpPr>
       <p:sp>
         <p:nvSpPr>
-          <p:cNvPr id="376" name="Google Shape;376;g2e737422ad0_0_100:notes"/>
+          <p:cNvPr id="376" name="Google Shape;376;g2e737422ad0_0_95:notes"/>
           <p:cNvSpPr/>
           <p:nvPr>
             <p:ph idx="2" type="sldImg"/>
@@ -1468,7 +1469,7 @@
       </p:sp>
       <p:sp>
         <p:nvSpPr>
-          <p:cNvPr id="377" name="Google Shape;377;g2e737422ad0_0_100:notes"/>
+          <p:cNvPr id="377" name="Google Shape;377;g2e737422ad0_0_95:notes"/>
           <p:cNvSpPr txBox="1"/>
           <p:nvPr>
             <p:ph idx="1" type="body"/>
@@ -1518,7 +1519,7 @@
   <p:cSld>
     <p:spTree>
       <p:nvGrpSpPr>
-        <p:cNvPr id="381" name="Shape 381"/>
+        <p:cNvPr id="382" name="Shape 382"/>
         <p:cNvGrpSpPr/>
         <p:nvPr/>
       </p:nvGrpSpPr>
@@ -1532,7 +1533,7 @@
       </p:grpSpPr>
       <p:sp>
         <p:nvSpPr>
-          <p:cNvPr id="382" name="Google Shape;382;g2e737422ad0_0_110:notes"/>
+          <p:cNvPr id="383" name="Google Shape;383;g2e737422ad0_0_100:notes"/>
           <p:cNvSpPr/>
           <p:nvPr>
             <p:ph idx="2" type="sldImg"/>
@@ -1567,7 +1568,7 @@
       </p:sp>
       <p:sp>
         <p:nvSpPr>
-          <p:cNvPr id="383" name="Google Shape;383;g2e737422ad0_0_110:notes"/>
+          <p:cNvPr id="384" name="Google Shape;384;g2e737422ad0_0_100:notes"/>
           <p:cNvSpPr txBox="1"/>
           <p:nvPr>
             <p:ph idx="1" type="body"/>
@@ -1631,7 +1632,7 @@
       </p:grpSpPr>
       <p:sp>
         <p:nvSpPr>
-          <p:cNvPr id="389" name="Google Shape;389;g2e737422ad0_0_174:notes"/>
+          <p:cNvPr id="389" name="Google Shape;389;g2e737422ad0_0_110:notes"/>
           <p:cNvSpPr/>
           <p:nvPr>
             <p:ph idx="2" type="sldImg"/>
@@ -1666,7 +1667,7 @@
       </p:sp>
       <p:sp>
         <p:nvSpPr>
-          <p:cNvPr id="390" name="Google Shape;390;g2e737422ad0_0_174:notes"/>
+          <p:cNvPr id="390" name="Google Shape;390;g2e737422ad0_0_110:notes"/>
           <p:cNvSpPr txBox="1"/>
           <p:nvPr>
             <p:ph idx="1" type="body"/>
@@ -1730,7 +1731,7 @@
       </p:grpSpPr>
       <p:sp>
         <p:nvSpPr>
-          <p:cNvPr id="396" name="Google Shape;396;g2e737422ad0_0_122:notes"/>
+          <p:cNvPr id="396" name="Google Shape;396;g2e737422ad0_0_174:notes"/>
           <p:cNvSpPr/>
           <p:nvPr>
             <p:ph idx="2" type="sldImg"/>
@@ -1765,7 +1766,7 @@
       </p:sp>
       <p:sp>
         <p:nvSpPr>
-          <p:cNvPr id="397" name="Google Shape;397;g2e737422ad0_0_122:notes"/>
+          <p:cNvPr id="397" name="Google Shape;397;g2e737422ad0_0_174:notes"/>
           <p:cNvSpPr txBox="1"/>
           <p:nvPr>
             <p:ph idx="1" type="body"/>
@@ -1914,7 +1915,7 @@
   <p:cSld>
     <p:spTree>
       <p:nvGrpSpPr>
-        <p:cNvPr id="403" name="Shape 403"/>
+        <p:cNvPr id="402" name="Shape 402"/>
         <p:cNvGrpSpPr/>
         <p:nvPr/>
       </p:nvGrpSpPr>
@@ -1928,7 +1929,7 @@
       </p:grpSpPr>
       <p:sp>
         <p:nvSpPr>
-          <p:cNvPr id="404" name="Google Shape;404;g2e737422ad0_0_116:notes"/>
+          <p:cNvPr id="403" name="Google Shape;403;g2e737422ad0_0_122:notes"/>
           <p:cNvSpPr/>
           <p:nvPr>
             <p:ph idx="2" type="sldImg"/>
@@ -1963,7 +1964,7 @@
       </p:sp>
       <p:sp>
         <p:nvSpPr>
-          <p:cNvPr id="405" name="Google Shape;405;g2e737422ad0_0_116:notes"/>
+          <p:cNvPr id="404" name="Google Shape;404;g2e737422ad0_0_122:notes"/>
           <p:cNvSpPr txBox="1"/>
           <p:nvPr>
             <p:ph idx="1" type="body"/>
@@ -2027,7 +2028,7 @@
       </p:grpSpPr>
       <p:sp>
         <p:nvSpPr>
-          <p:cNvPr id="411" name="Google Shape;411;g2e737422ad0_0_131:notes"/>
+          <p:cNvPr id="411" name="Google Shape;411;g2e737422ad0_0_116:notes"/>
           <p:cNvSpPr/>
           <p:nvPr>
             <p:ph idx="2" type="sldImg"/>
@@ -2062,7 +2063,7 @@
       </p:sp>
       <p:sp>
         <p:nvSpPr>
-          <p:cNvPr id="412" name="Google Shape;412;g2e737422ad0_0_131:notes"/>
+          <p:cNvPr id="412" name="Google Shape;412;g2e737422ad0_0_116:notes"/>
           <p:cNvSpPr txBox="1"/>
           <p:nvPr>
             <p:ph idx="1" type="body"/>
@@ -2126,7 +2127,7 @@
       </p:grpSpPr>
       <p:sp>
         <p:nvSpPr>
-          <p:cNvPr id="418" name="Google Shape;418;g2e737422ad0_0_144:notes"/>
+          <p:cNvPr id="418" name="Google Shape;418;g2e737422ad0_0_131:notes"/>
           <p:cNvSpPr/>
           <p:nvPr>
             <p:ph idx="2" type="sldImg"/>
@@ -2161,7 +2162,106 @@
       </p:sp>
       <p:sp>
         <p:nvSpPr>
-          <p:cNvPr id="419" name="Google Shape;419;g2e737422ad0_0_144:notes"/>
+          <p:cNvPr id="419" name="Google Shape;419;g2e737422ad0_0_131:notes"/>
+          <p:cNvSpPr txBox="1"/>
+          <p:nvPr>
+            <p:ph idx="1" type="body"/>
+          </p:nvPr>
+        </p:nvSpPr>
+        <p:spPr>
+          <a:xfrm>
+            <a:off x="685800" y="4343400"/>
+            <a:ext cx="5486400" cy="4114800"/>
+          </a:xfrm>
+          <a:prstGeom prst="rect">
+            <a:avLst/>
+          </a:prstGeom>
+        </p:spPr>
+        <p:txBody>
+          <a:bodyPr anchorCtr="0" anchor="t" bIns="91425" lIns="91425" spcFirstLastPara="1" rIns="91425" wrap="square" tIns="91425">
+            <a:noAutofit/>
+          </a:bodyPr>
+          <a:lstStyle/>
+          <a:p>
+            <a:pPr indent="0" lvl="0" marL="0" rtl="0" algn="l">
+              <a:spcBef>
+                <a:spcPts val="0"/>
+              </a:spcBef>
+              <a:spcAft>
+                <a:spcPts val="0"/>
+              </a:spcAft>
+              <a:buNone/>
+            </a:pPr>
+            <a:r>
+              <a:t/>
+            </a:r>
+            <a:endParaRPr/>
+          </a:p>
+        </p:txBody>
+      </p:sp>
+    </p:spTree>
+  </p:cSld>
+  <p:clrMapOvr>
+    <a:masterClrMapping/>
+  </p:clrMapOvr>
+</p:notes>
+</file>
+
+<file path=ppt/notesSlides/notesSlide23.xml><?xml version="1.0" encoding="utf-8"?>
+<p:notes xmlns:a="http://schemas.openxmlformats.org/drawingml/2006/main" xmlns:r="http://schemas.openxmlformats.org/officeDocument/2006/relationships" xmlns:mc="http://schemas.openxmlformats.org/markup-compatibility/2006" xmlns:mv="urn:schemas-microsoft-com:mac:vml" xmlns:p="http://schemas.openxmlformats.org/presentationml/2006/main" xmlns:c="http://schemas.openxmlformats.org/drawingml/2006/chart" xmlns:dgm="http://schemas.openxmlformats.org/drawingml/2006/diagram" xmlns:o="urn:schemas-microsoft-com:office:office" xmlns:v="urn:schemas-microsoft-com:vml" xmlns:pvml="urn:schemas-microsoft-com:office:powerpoint" xmlns:com="http://schemas.openxmlformats.org/drawingml/2006/compatibility" xmlns:p14="http://schemas.microsoft.com/office/powerpoint/2010/main" xmlns:p15="http://schemas.microsoft.com/office/powerpoint/2012/main" xmlns:ahyp="http://schemas.microsoft.com/office/drawing/2018/hyperlinkcolor" showMasterPhAnim="0" showMasterSp="0">
+  <p:cSld>
+    <p:spTree>
+      <p:nvGrpSpPr>
+        <p:cNvPr id="424" name="Shape 424"/>
+        <p:cNvGrpSpPr/>
+        <p:nvPr/>
+      </p:nvGrpSpPr>
+      <p:grpSpPr>
+        <a:xfrm>
+          <a:off x="0" y="0"/>
+          <a:ext cx="0" cy="0"/>
+          <a:chOff x="0" y="0"/>
+          <a:chExt cx="0" cy="0"/>
+        </a:xfrm>
+      </p:grpSpPr>
+      <p:sp>
+        <p:nvSpPr>
+          <p:cNvPr id="425" name="Google Shape;425;g2e737422ad0_0_144:notes"/>
+          <p:cNvSpPr/>
+          <p:nvPr>
+            <p:ph idx="2" type="sldImg"/>
+          </p:nvPr>
+        </p:nvSpPr>
+        <p:spPr>
+          <a:xfrm>
+            <a:off x="381300" y="685800"/>
+            <a:ext cx="6096000" cy="3429000"/>
+          </a:xfrm>
+          <a:custGeom>
+            <a:rect b="b" l="l" r="r" t="t"/>
+            <a:pathLst>
+              <a:path extrusionOk="0" h="120000" w="120000">
+                <a:moveTo>
+                  <a:pt x="0" y="0"/>
+                </a:moveTo>
+                <a:lnTo>
+                  <a:pt x="120000" y="0"/>
+                </a:lnTo>
+                <a:lnTo>
+                  <a:pt x="120000" y="120000"/>
+                </a:lnTo>
+                <a:lnTo>
+                  <a:pt x="0" y="120000"/>
+                </a:lnTo>
+                <a:close/>
+              </a:path>
+            </a:pathLst>
+          </a:custGeom>
+        </p:spPr>
+      </p:sp>
+      <p:sp>
+        <p:nvSpPr>
+          <p:cNvPr id="426" name="Google Shape;426;g2e737422ad0_0_144:notes"/>
           <p:cNvSpPr txBox="1"/>
           <p:nvPr>
             <p:ph idx="1" type="body"/>
@@ -17628,7 +17728,7 @@
             </a:pPr>
             <a:r>
               <a:rPr lang="en-GB"/>
-              <a:t>Summarising and describing Data</a:t>
+              <a:t>Python built in datasets</a:t>
             </a:r>
             <a:endParaRPr/>
           </a:p>
@@ -17657,6 +17757,138 @@
           </a:bodyPr>
           <a:lstStyle/>
           <a:p>
+            <a:pPr indent="0" lvl="0" marL="457200" rtl="0" algn="l">
+              <a:spcBef>
+                <a:spcPts val="0"/>
+              </a:spcBef>
+              <a:spcAft>
+                <a:spcPts val="1200"/>
+              </a:spcAft>
+              <a:buNone/>
+            </a:pPr>
+            <a:r>
+              <a:t/>
+            </a:r>
+            <a:endParaRPr/>
+          </a:p>
+        </p:txBody>
+      </p:sp>
+      <p:pic>
+        <p:nvPicPr>
+          <p:cNvPr id="347" name="Google Shape;347;p23"/>
+          <p:cNvPicPr preferRelativeResize="0"/>
+          <p:nvPr/>
+        </p:nvPicPr>
+        <p:blipFill>
+          <a:blip r:embed="rId3">
+            <a:alphaModFix/>
+          </a:blip>
+          <a:stretch>
+            <a:fillRect/>
+          </a:stretch>
+        </p:blipFill>
+        <p:spPr>
+          <a:xfrm>
+            <a:off x="1366825" y="1397713"/>
+            <a:ext cx="6410325" cy="3057525"/>
+          </a:xfrm>
+          <a:prstGeom prst="rect">
+            <a:avLst/>
+          </a:prstGeom>
+          <a:noFill/>
+          <a:ln>
+            <a:noFill/>
+          </a:ln>
+        </p:spPr>
+      </p:pic>
+    </p:spTree>
+  </p:cSld>
+  <p:clrMapOvr>
+    <a:masterClrMapping/>
+  </p:clrMapOvr>
+</p:sld>
+</file>
+
+<file path=ppt/slides/slide12.xml><?xml version="1.0" encoding="utf-8"?>
+<p:sld xmlns:a="http://schemas.openxmlformats.org/drawingml/2006/main" xmlns:r="http://schemas.openxmlformats.org/officeDocument/2006/relationships" xmlns:mc="http://schemas.openxmlformats.org/markup-compatibility/2006" xmlns:mv="urn:schemas-microsoft-com:mac:vml" xmlns:p="http://schemas.openxmlformats.org/presentationml/2006/main" xmlns:c="http://schemas.openxmlformats.org/drawingml/2006/chart" xmlns:dgm="http://schemas.openxmlformats.org/drawingml/2006/diagram" xmlns:o="urn:schemas-microsoft-com:office:office" xmlns:v="urn:schemas-microsoft-com:vml" xmlns:pvml="urn:schemas-microsoft-com:office:powerpoint" xmlns:com="http://schemas.openxmlformats.org/drawingml/2006/compatibility" xmlns:p14="http://schemas.microsoft.com/office/powerpoint/2010/main" xmlns:p15="http://schemas.microsoft.com/office/powerpoint/2012/main" xmlns:ahyp="http://schemas.microsoft.com/office/drawing/2018/hyperlinkcolor">
+  <p:cSld>
+    <p:spTree>
+      <p:nvGrpSpPr>
+        <p:cNvPr id="351" name="Shape 351"/>
+        <p:cNvGrpSpPr/>
+        <p:nvPr/>
+      </p:nvGrpSpPr>
+      <p:grpSpPr>
+        <a:xfrm>
+          <a:off x="0" y="0"/>
+          <a:ext cx="0" cy="0"/>
+          <a:chOff x="0" y="0"/>
+          <a:chExt cx="0" cy="0"/>
+        </a:xfrm>
+      </p:grpSpPr>
+      <p:sp>
+        <p:nvSpPr>
+          <p:cNvPr id="352" name="Google Shape;352;p24"/>
+          <p:cNvSpPr txBox="1"/>
+          <p:nvPr>
+            <p:ph type="title"/>
+          </p:nvPr>
+        </p:nvSpPr>
+        <p:spPr>
+          <a:xfrm>
+            <a:off x="1303800" y="598575"/>
+            <a:ext cx="7030500" cy="999300"/>
+          </a:xfrm>
+          <a:prstGeom prst="rect">
+            <a:avLst/>
+          </a:prstGeom>
+        </p:spPr>
+        <p:txBody>
+          <a:bodyPr anchorCtr="0" anchor="t" bIns="91425" lIns="91425" spcFirstLastPara="1" rIns="91425" wrap="square" tIns="91425">
+            <a:normAutofit/>
+          </a:bodyPr>
+          <a:lstStyle/>
+          <a:p>
+            <a:pPr indent="0" lvl="0" marL="0" rtl="0" algn="l">
+              <a:spcBef>
+                <a:spcPts val="0"/>
+              </a:spcBef>
+              <a:spcAft>
+                <a:spcPts val="0"/>
+              </a:spcAft>
+              <a:buNone/>
+            </a:pPr>
+            <a:r>
+              <a:rPr lang="en-GB"/>
+              <a:t>Summarising and describing Data</a:t>
+            </a:r>
+            <a:endParaRPr/>
+          </a:p>
+        </p:txBody>
+      </p:sp>
+      <p:sp>
+        <p:nvSpPr>
+          <p:cNvPr id="353" name="Google Shape;353;p24"/>
+          <p:cNvSpPr txBox="1"/>
+          <p:nvPr>
+            <p:ph idx="1" type="body"/>
+          </p:nvPr>
+        </p:nvSpPr>
+        <p:spPr>
+          <a:xfrm>
+            <a:off x="1303800" y="1990050"/>
+            <a:ext cx="7030500" cy="2541600"/>
+          </a:xfrm>
+          <a:prstGeom prst="rect">
+            <a:avLst/>
+          </a:prstGeom>
+        </p:spPr>
+        <p:txBody>
+          <a:bodyPr anchorCtr="0" anchor="t" bIns="91425" lIns="91425" spcFirstLastPara="1" rIns="91425" wrap="square" tIns="91425">
+            <a:normAutofit/>
+          </a:bodyPr>
+          <a:lstStyle/>
+          <a:p>
             <a:pPr indent="0" lvl="0" marL="0" rtl="0" algn="l">
               <a:lnSpc>
                 <a:spcPct val="135714"/>
@@ -17783,138 +18015,6 @@
           </a:p>
         </p:txBody>
       </p:sp>
-    </p:spTree>
-  </p:cSld>
-  <p:clrMapOvr>
-    <a:masterClrMapping/>
-  </p:clrMapOvr>
-</p:sld>
-</file>
-
-<file path=ppt/slides/slide12.xml><?xml version="1.0" encoding="utf-8"?>
-<p:sld xmlns:a="http://schemas.openxmlformats.org/drawingml/2006/main" xmlns:r="http://schemas.openxmlformats.org/officeDocument/2006/relationships" xmlns:mc="http://schemas.openxmlformats.org/markup-compatibility/2006" xmlns:mv="urn:schemas-microsoft-com:mac:vml" xmlns:p="http://schemas.openxmlformats.org/presentationml/2006/main" xmlns:c="http://schemas.openxmlformats.org/drawingml/2006/chart" xmlns:dgm="http://schemas.openxmlformats.org/drawingml/2006/diagram" xmlns:o="urn:schemas-microsoft-com:office:office" xmlns:v="urn:schemas-microsoft-com:vml" xmlns:pvml="urn:schemas-microsoft-com:office:powerpoint" xmlns:com="http://schemas.openxmlformats.org/drawingml/2006/compatibility" xmlns:p14="http://schemas.microsoft.com/office/powerpoint/2010/main" xmlns:p15="http://schemas.microsoft.com/office/powerpoint/2012/main" xmlns:ahyp="http://schemas.microsoft.com/office/drawing/2018/hyperlinkcolor">
-  <p:cSld>
-    <p:spTree>
-      <p:nvGrpSpPr>
-        <p:cNvPr id="350" name="Shape 350"/>
-        <p:cNvGrpSpPr/>
-        <p:nvPr/>
-      </p:nvGrpSpPr>
-      <p:grpSpPr>
-        <a:xfrm>
-          <a:off x="0" y="0"/>
-          <a:ext cx="0" cy="0"/>
-          <a:chOff x="0" y="0"/>
-          <a:chExt cx="0" cy="0"/>
-        </a:xfrm>
-      </p:grpSpPr>
-      <p:sp>
-        <p:nvSpPr>
-          <p:cNvPr id="351" name="Google Shape;351;p24"/>
-          <p:cNvSpPr txBox="1"/>
-          <p:nvPr>
-            <p:ph type="title"/>
-          </p:nvPr>
-        </p:nvSpPr>
-        <p:spPr>
-          <a:xfrm>
-            <a:off x="1303800" y="598575"/>
-            <a:ext cx="7030500" cy="999300"/>
-          </a:xfrm>
-          <a:prstGeom prst="rect">
-            <a:avLst/>
-          </a:prstGeom>
-        </p:spPr>
-        <p:txBody>
-          <a:bodyPr anchorCtr="0" anchor="t" bIns="91425" lIns="91425" spcFirstLastPara="1" rIns="91425" wrap="square" tIns="91425">
-            <a:normAutofit/>
-          </a:bodyPr>
-          <a:lstStyle/>
-          <a:p>
-            <a:pPr indent="0" lvl="0" marL="0" rtl="0" algn="l">
-              <a:spcBef>
-                <a:spcPts val="0"/>
-              </a:spcBef>
-              <a:spcAft>
-                <a:spcPts val="0"/>
-              </a:spcAft>
-              <a:buNone/>
-            </a:pPr>
-            <a:r>
-              <a:rPr lang="en-GB"/>
-              <a:t>Checking for any null values</a:t>
-            </a:r>
-            <a:endParaRPr/>
-          </a:p>
-        </p:txBody>
-      </p:sp>
-      <p:sp>
-        <p:nvSpPr>
-          <p:cNvPr id="352" name="Google Shape;352;p24"/>
-          <p:cNvSpPr txBox="1"/>
-          <p:nvPr>
-            <p:ph idx="1" type="body"/>
-          </p:nvPr>
-        </p:nvSpPr>
-        <p:spPr>
-          <a:xfrm>
-            <a:off x="1303800" y="1990050"/>
-            <a:ext cx="7030500" cy="2541600"/>
-          </a:xfrm>
-          <a:prstGeom prst="rect">
-            <a:avLst/>
-          </a:prstGeom>
-        </p:spPr>
-        <p:txBody>
-          <a:bodyPr anchorCtr="0" anchor="t" bIns="91425" lIns="91425" spcFirstLastPara="1" rIns="91425" wrap="square" tIns="91425">
-            <a:normAutofit/>
-          </a:bodyPr>
-          <a:lstStyle/>
-          <a:p>
-            <a:pPr indent="0" lvl="0" marL="0" rtl="0" algn="l">
-              <a:spcBef>
-                <a:spcPts val="0"/>
-              </a:spcBef>
-              <a:spcAft>
-                <a:spcPts val="1200"/>
-              </a:spcAft>
-              <a:buNone/>
-            </a:pPr>
-            <a:r>
-              <a:t/>
-            </a:r>
-            <a:endParaRPr/>
-          </a:p>
-        </p:txBody>
-      </p:sp>
-      <p:pic>
-        <p:nvPicPr>
-          <p:cNvPr id="353" name="Google Shape;353;p24"/>
-          <p:cNvPicPr preferRelativeResize="0"/>
-          <p:nvPr/>
-        </p:nvPicPr>
-        <p:blipFill>
-          <a:blip r:embed="rId3">
-            <a:alphaModFix/>
-          </a:blip>
-          <a:stretch>
-            <a:fillRect/>
-          </a:stretch>
-        </p:blipFill>
-        <p:spPr>
-          <a:xfrm>
-            <a:off x="1303800" y="1717675"/>
-            <a:ext cx="7122325" cy="1480170"/>
-          </a:xfrm>
-          <a:prstGeom prst="rect">
-            <a:avLst/>
-          </a:prstGeom>
-          <a:noFill/>
-          <a:ln>
-            <a:noFill/>
-          </a:ln>
-        </p:spPr>
-      </p:pic>
     </p:spTree>
   </p:cSld>
   <p:clrMapOvr>
@@ -17974,7 +18074,7 @@
             </a:pPr>
             <a:r>
               <a:rPr lang="en-GB"/>
-              <a:t>describe() function</a:t>
+              <a:t>Checking for any null values</a:t>
             </a:r>
             <a:endParaRPr/>
           </a:p>
@@ -18035,8 +18135,8 @@
         </p:blipFill>
         <p:spPr>
           <a:xfrm>
-            <a:off x="1256300" y="1868500"/>
-            <a:ext cx="7523125" cy="2494825"/>
+            <a:off x="1303800" y="1717675"/>
+            <a:ext cx="7122325" cy="1480170"/>
           </a:xfrm>
           <a:prstGeom prst="rect">
             <a:avLst/>
@@ -18105,7 +18205,8 @@
               <a:buNone/>
             </a:pPr>
             <a:r>
-              <a:t/>
+              <a:rPr lang="en-GB"/>
+              <a:t>describe() function</a:t>
             </a:r>
             <a:endParaRPr/>
           </a:p>
@@ -18166,8 +18267,8 @@
         </p:blipFill>
         <p:spPr>
           <a:xfrm>
-            <a:off x="1287025" y="258650"/>
-            <a:ext cx="7064051" cy="4434050"/>
+            <a:off x="1256300" y="1868500"/>
+            <a:ext cx="7523125" cy="2494825"/>
           </a:xfrm>
           <a:prstGeom prst="rect">
             <a:avLst/>
@@ -18236,8 +18337,7 @@
               <a:buNone/>
             </a:pPr>
             <a:r>
-              <a:rPr lang="en-GB"/>
-              <a:t>Different measures</a:t>
+              <a:t/>
             </a:r>
             <a:endParaRPr/>
           </a:p>
@@ -18298,8 +18398,8 @@
         </p:blipFill>
         <p:spPr>
           <a:xfrm>
-            <a:off x="504663" y="1178626"/>
-            <a:ext cx="8208576" cy="3498975"/>
+            <a:off x="1287025" y="258650"/>
+            <a:ext cx="7064051" cy="4434050"/>
           </a:xfrm>
           <a:prstGeom prst="rect">
             <a:avLst/>
@@ -18354,7 +18454,7 @@
         </p:spPr>
         <p:txBody>
           <a:bodyPr anchorCtr="0" anchor="t" bIns="91425" lIns="91425" spcFirstLastPara="1" rIns="91425" wrap="square" tIns="91425">
-            <a:normAutofit fontScale="90000"/>
+            <a:normAutofit/>
           </a:bodyPr>
           <a:lstStyle/>
           <a:p>
@@ -18369,15 +18469,46 @@
             </a:pPr>
             <a:r>
               <a:rPr lang="en-GB"/>
-              <a:t>Quick function to show all basic </a:t>
+              <a:t>Different measures</a:t>
             </a:r>
+            <a:endParaRPr/>
+          </a:p>
+        </p:txBody>
+      </p:sp>
+      <p:sp>
+        <p:nvSpPr>
+          <p:cNvPr id="380" name="Google Shape;380;p28"/>
+          <p:cNvSpPr txBox="1"/>
+          <p:nvPr>
+            <p:ph idx="1" type="body"/>
+          </p:nvPr>
+        </p:nvSpPr>
+        <p:spPr>
+          <a:xfrm>
+            <a:off x="1303800" y="1990050"/>
+            <a:ext cx="7030500" cy="2541600"/>
+          </a:xfrm>
+          <a:prstGeom prst="rect">
+            <a:avLst/>
+          </a:prstGeom>
+        </p:spPr>
+        <p:txBody>
+          <a:bodyPr anchorCtr="0" anchor="t" bIns="91425" lIns="91425" spcFirstLastPara="1" rIns="91425" wrap="square" tIns="91425">
+            <a:normAutofit/>
+          </a:bodyPr>
+          <a:lstStyle/>
+          <a:p>
+            <a:pPr indent="0" lvl="0" marL="0" rtl="0" algn="l">
+              <a:spcBef>
+                <a:spcPts val="0"/>
+              </a:spcBef>
+              <a:spcAft>
+                <a:spcPts val="1200"/>
+              </a:spcAft>
+              <a:buNone/>
+            </a:pPr>
             <a:r>
-              <a:rPr lang="en-GB"/>
-              <a:t>statistical</a:t>
-            </a:r>
-            <a:r>
-              <a:rPr lang="en-GB"/>
-              <a:t> measures</a:t>
+              <a:t/>
             </a:r>
             <a:endParaRPr/>
           </a:p>
@@ -18385,7 +18516,7 @@
       </p:sp>
       <p:pic>
         <p:nvPicPr>
-          <p:cNvPr id="380" name="Google Shape;380;p28"/>
+          <p:cNvPr id="381" name="Google Shape;381;p28"/>
           <p:cNvPicPr preferRelativeResize="0"/>
           <p:nvPr/>
         </p:nvPicPr>
@@ -18399,8 +18530,8 @@
         </p:blipFill>
         <p:spPr>
           <a:xfrm>
-            <a:off x="654925" y="1809400"/>
-            <a:ext cx="8019701" cy="2329050"/>
+            <a:off x="504663" y="1178626"/>
+            <a:ext cx="8208576" cy="3498975"/>
           </a:xfrm>
           <a:prstGeom prst="rect">
             <a:avLst/>
@@ -18424,7 +18555,7 @@
   <p:cSld>
     <p:spTree>
       <p:nvGrpSpPr>
-        <p:cNvPr id="384" name="Shape 384"/>
+        <p:cNvPr id="385" name="Shape 385"/>
         <p:cNvGrpSpPr/>
         <p:nvPr/>
       </p:nvGrpSpPr>
@@ -18438,7 +18569,7 @@
       </p:grpSpPr>
       <p:sp>
         <p:nvSpPr>
-          <p:cNvPr id="385" name="Google Shape;385;p29"/>
+          <p:cNvPr id="386" name="Google Shape;386;p29"/>
           <p:cNvSpPr txBox="1"/>
           <p:nvPr>
             <p:ph type="title"/>
@@ -18455,7 +18586,7 @@
         </p:spPr>
         <p:txBody>
           <a:bodyPr anchorCtr="0" anchor="t" bIns="91425" lIns="91425" spcFirstLastPara="1" rIns="91425" wrap="square" tIns="91425">
-            <a:normAutofit/>
+            <a:normAutofit fontScale="90000"/>
           </a:bodyPr>
           <a:lstStyle/>
           <a:p>
@@ -18469,46 +18600,16 @@
               <a:buNone/>
             </a:pPr>
             <a:r>
-              <a:t/>
+              <a:rPr lang="en-GB"/>
+              <a:t>Quick function to show all basic </a:t>
             </a:r>
-            <a:endParaRPr/>
-          </a:p>
-        </p:txBody>
-      </p:sp>
-      <p:sp>
-        <p:nvSpPr>
-          <p:cNvPr id="386" name="Google Shape;386;p29"/>
-          <p:cNvSpPr txBox="1"/>
-          <p:nvPr>
-            <p:ph idx="1" type="body"/>
-          </p:nvPr>
-        </p:nvSpPr>
-        <p:spPr>
-          <a:xfrm>
-            <a:off x="1303800" y="1990050"/>
-            <a:ext cx="7030500" cy="2541600"/>
-          </a:xfrm>
-          <a:prstGeom prst="rect">
-            <a:avLst/>
-          </a:prstGeom>
-        </p:spPr>
-        <p:txBody>
-          <a:bodyPr anchorCtr="0" anchor="t" bIns="91425" lIns="91425" spcFirstLastPara="1" rIns="91425" wrap="square" tIns="91425">
-            <a:normAutofit/>
-          </a:bodyPr>
-          <a:lstStyle/>
-          <a:p>
-            <a:pPr indent="0" lvl="0" marL="0" rtl="0" algn="l">
-              <a:spcBef>
-                <a:spcPts val="0"/>
-              </a:spcBef>
-              <a:spcAft>
-                <a:spcPts val="1200"/>
-              </a:spcAft>
-              <a:buNone/>
-            </a:pPr>
             <a:r>
-              <a:t/>
+              <a:rPr lang="en-GB"/>
+              <a:t>statistical</a:t>
+            </a:r>
+            <a:r>
+              <a:rPr lang="en-GB"/>
+              <a:t> measures</a:t>
             </a:r>
             <a:endParaRPr/>
           </a:p>
@@ -18530,8 +18631,8 @@
         </p:blipFill>
         <p:spPr>
           <a:xfrm>
-            <a:off x="864625" y="1488761"/>
-            <a:ext cx="7826101" cy="2372925"/>
+            <a:off x="654925" y="1809400"/>
+            <a:ext cx="8019701" cy="2329050"/>
           </a:xfrm>
           <a:prstGeom prst="rect">
             <a:avLst/>
@@ -18600,8 +18701,7 @@
               <a:buNone/>
             </a:pPr>
             <a:r>
-              <a:rPr lang="en-GB"/>
-              <a:t>Skewness and Kurtosis</a:t>
+              <a:t/>
             </a:r>
             <a:endParaRPr/>
           </a:p>
@@ -18617,7 +18717,7 @@
         </p:nvSpPr>
         <p:spPr>
           <a:xfrm>
-            <a:off x="1377700" y="1199325"/>
+            <a:off x="1303800" y="1990050"/>
             <a:ext cx="7030500" cy="2541600"/>
           </a:xfrm>
           <a:prstGeom prst="rect">
@@ -18640,8 +18740,7 @@
               <a:buNone/>
             </a:pPr>
             <a:r>
-              <a:rPr lang="en-GB"/>
-              <a:t>Skewness indicates the degree of tilt in data, whether it leans towards the left or right, exposing any asymmetry present. A positive skew indicates a tail extending towards the right, whereas a negative skew leans in the opposite direction. Kurtosis, on the other hand, focuses on the distribution's peaks and tails.</a:t>
+              <a:t/>
             </a:r>
             <a:endParaRPr/>
           </a:p>
@@ -18663,8 +18762,8 @@
         </p:blipFill>
         <p:spPr>
           <a:xfrm>
-            <a:off x="1449675" y="2328375"/>
-            <a:ext cx="6553776" cy="2281675"/>
+            <a:off x="864625" y="1488761"/>
+            <a:ext cx="7826101" cy="2372925"/>
           </a:xfrm>
           <a:prstGeom prst="rect">
             <a:avLst/>
@@ -18734,7 +18833,7 @@
             </a:pPr>
             <a:r>
               <a:rPr lang="en-GB"/>
-              <a:t>Correlation</a:t>
+              <a:t>Skewness and Kurtosis</a:t>
             </a:r>
             <a:endParaRPr/>
           </a:p>
@@ -18750,8 +18849,8 @@
         </p:nvSpPr>
         <p:spPr>
           <a:xfrm>
-            <a:off x="1303800" y="1189800"/>
-            <a:ext cx="7431300" cy="2305800"/>
+            <a:off x="1377700" y="1199325"/>
+            <a:ext cx="7030500" cy="2541600"/>
           </a:xfrm>
           <a:prstGeom prst="rect">
             <a:avLst/>
@@ -18763,148 +18862,18 @@
           </a:bodyPr>
           <a:lstStyle/>
           <a:p>
-            <a:pPr indent="-311150" lvl="0" marL="457200" rtl="0" algn="l">
-              <a:lnSpc>
-                <a:spcPct val="135714"/>
-              </a:lnSpc>
-              <a:spcBef>
-                <a:spcPts val="0"/>
-              </a:spcBef>
-              <a:spcAft>
-                <a:spcPts val="0"/>
-              </a:spcAft>
-              <a:buSzPts val="1300"/>
-              <a:buChar char="●"/>
+            <a:pPr indent="0" lvl="0" marL="0" rtl="0" algn="l">
+              <a:spcBef>
+                <a:spcPts val="0"/>
+              </a:spcBef>
+              <a:spcAft>
+                <a:spcPts val="1200"/>
+              </a:spcAft>
+              <a:buNone/>
             </a:pPr>
             <a:r>
               <a:rPr lang="en-GB"/>
-              <a:t>standardized measure of the linear relationship between two variables</a:t>
-            </a:r>
-            <a:endParaRPr/>
-          </a:p>
-          <a:p>
-            <a:pPr indent="-311150" lvl="0" marL="457200" rtl="0" algn="l">
-              <a:lnSpc>
-                <a:spcPct val="135714"/>
-              </a:lnSpc>
-              <a:spcBef>
-                <a:spcPts val="0"/>
-              </a:spcBef>
-              <a:spcAft>
-                <a:spcPts val="0"/>
-              </a:spcAft>
-              <a:buSzPts val="1300"/>
-              <a:buChar char="●"/>
-            </a:pPr>
-            <a:r>
-              <a:rPr lang="en-GB"/>
-              <a:t>quantifies the strength and direction of the relationship on a scale from -1 to +1</a:t>
-            </a:r>
-            <a:endParaRPr/>
-          </a:p>
-          <a:p>
-            <a:pPr indent="-311150" lvl="0" marL="457200" rtl="0" algn="l">
-              <a:lnSpc>
-                <a:spcPct val="135714"/>
-              </a:lnSpc>
-              <a:spcBef>
-                <a:spcPts val="0"/>
-              </a:spcBef>
-              <a:spcAft>
-                <a:spcPts val="0"/>
-              </a:spcAft>
-              <a:buSzPts val="1300"/>
-              <a:buChar char="●"/>
-            </a:pPr>
-            <a:r>
-              <a:rPr lang="en-GB"/>
-              <a:t>+1 indicates a perfect positive linear relationship</a:t>
-            </a:r>
-            <a:endParaRPr/>
-          </a:p>
-          <a:p>
-            <a:pPr indent="-311150" lvl="0" marL="457200" rtl="0" algn="l">
-              <a:lnSpc>
-                <a:spcPct val="135714"/>
-              </a:lnSpc>
-              <a:spcBef>
-                <a:spcPts val="0"/>
-              </a:spcBef>
-              <a:spcAft>
-                <a:spcPts val="0"/>
-              </a:spcAft>
-              <a:buSzPts val="1300"/>
-              <a:buChar char="●"/>
-            </a:pPr>
-            <a:r>
-              <a:rPr lang="en-GB"/>
-              <a:t>-1 indicates a perfect negative linear relationship</a:t>
-            </a:r>
-            <a:endParaRPr/>
-          </a:p>
-          <a:p>
-            <a:pPr indent="-311150" lvl="0" marL="457200" rtl="0" algn="l">
-              <a:lnSpc>
-                <a:spcPct val="135714"/>
-              </a:lnSpc>
-              <a:spcBef>
-                <a:spcPts val="0"/>
-              </a:spcBef>
-              <a:spcAft>
-                <a:spcPts val="0"/>
-              </a:spcAft>
-              <a:buSzPts val="1300"/>
-              <a:buChar char="●"/>
-            </a:pPr>
-            <a:r>
-              <a:rPr lang="en-GB"/>
-              <a:t>0 indicates no linear relationship</a:t>
-            </a:r>
-            <a:endParaRPr/>
-          </a:p>
-          <a:p>
-            <a:pPr indent="-311150" lvl="0" marL="457200" rtl="0" algn="l">
-              <a:lnSpc>
-                <a:spcPct val="135714"/>
-              </a:lnSpc>
-              <a:spcBef>
-                <a:spcPts val="0"/>
-              </a:spcBef>
-              <a:spcAft>
-                <a:spcPts val="0"/>
-              </a:spcAft>
-              <a:buSzPts val="1300"/>
-              <a:buChar char="●"/>
-            </a:pPr>
-            <a:r>
-              <a:rPr lang="en-GB"/>
-              <a:t> unitless and not affected by the scale or units of the variable (easier to compare strength of relationship)</a:t>
-            </a:r>
-            <a:endParaRPr sz="1050">
-              <a:solidFill>
-                <a:srgbClr val="CCCCCC"/>
-              </a:solidFill>
-              <a:highlight>
-                <a:srgbClr val="1F1F1F"/>
-              </a:highlight>
-              <a:latin typeface="Courier New"/>
-              <a:ea typeface="Courier New"/>
-              <a:cs typeface="Courier New"/>
-              <a:sym typeface="Courier New"/>
-            </a:endParaRPr>
-          </a:p>
-          <a:p>
-            <a:pPr indent="0" lvl="0" marL="0" rtl="0" algn="l">
-              <a:spcBef>
-                <a:spcPts val="0"/>
-              </a:spcBef>
-              <a:spcAft>
-                <a:spcPts val="1200"/>
-              </a:spcAft>
-              <a:buNone/>
-            </a:pPr>
-            <a:r>
-              <a:t/>
+              <a:t>Skewness indicates the degree of tilt in data, whether it leans towards the left or right, exposing any asymmetry present. A positive skew indicates a tail extending towards the right, whereas a negative skew leans in the opposite direction. Kurtosis, on the other hand, focuses on the distribution's peaks and tails.</a:t>
             </a:r>
             <a:endParaRPr/>
           </a:p>
@@ -18916,44 +18885,18 @@
           <p:cNvPicPr preferRelativeResize="0"/>
           <p:nvPr/>
         </p:nvPicPr>
-        <p:blipFill rotWithShape="1">
+        <p:blipFill>
           <a:blip r:embed="rId3">
             <a:alphaModFix/>
           </a:blip>
-          <a:srcRect b="50006" l="0" r="0" t="8860"/>
-          <a:stretch/>
+          <a:stretch>
+            <a:fillRect/>
+          </a:stretch>
         </p:blipFill>
         <p:spPr>
           <a:xfrm>
-            <a:off x="1550425" y="3474125"/>
-            <a:ext cx="3062301" cy="999300"/>
-          </a:xfrm>
-          <a:prstGeom prst="rect">
-            <a:avLst/>
-          </a:prstGeom>
-          <a:noFill/>
-          <a:ln>
-            <a:noFill/>
-          </a:ln>
-        </p:spPr>
-      </p:pic>
-      <p:pic>
-        <p:nvPicPr>
-          <p:cNvPr id="402" name="Google Shape;402;p31"/>
-          <p:cNvPicPr preferRelativeResize="0"/>
-          <p:nvPr/>
-        </p:nvPicPr>
-        <p:blipFill rotWithShape="1">
-          <a:blip r:embed="rId3">
-            <a:alphaModFix/>
-          </a:blip>
-          <a:srcRect b="0" l="0" r="0" t="50007"/>
-          <a:stretch/>
-        </p:blipFill>
-        <p:spPr>
-          <a:xfrm>
-            <a:off x="4808950" y="3460725"/>
-            <a:ext cx="3062301" cy="1214524"/>
+            <a:off x="1449675" y="2328375"/>
+            <a:ext cx="6553776" cy="2281675"/>
           </a:xfrm>
           <a:prstGeom prst="rect">
             <a:avLst/>
@@ -19174,7 +19117,7 @@
   <p:cSld>
     <p:spTree>
       <p:nvGrpSpPr>
-        <p:cNvPr id="406" name="Shape 406"/>
+        <p:cNvPr id="405" name="Shape 405"/>
         <p:cNvGrpSpPr/>
         <p:nvPr/>
       </p:nvGrpSpPr>
@@ -19188,7 +19131,7 @@
       </p:grpSpPr>
       <p:sp>
         <p:nvSpPr>
-          <p:cNvPr id="407" name="Google Shape;407;p32"/>
+          <p:cNvPr id="406" name="Google Shape;406;p32"/>
           <p:cNvSpPr txBox="1"/>
           <p:nvPr>
             <p:ph type="title"/>
@@ -19220,7 +19163,7 @@
             </a:pPr>
             <a:r>
               <a:rPr lang="en-GB"/>
-              <a:t>Covariance</a:t>
+              <a:t>Correlation</a:t>
             </a:r>
             <a:endParaRPr/>
           </a:p>
@@ -19228,7 +19171,7 @@
       </p:sp>
       <p:sp>
         <p:nvSpPr>
-          <p:cNvPr id="408" name="Google Shape;408;p32"/>
+          <p:cNvPr id="407" name="Google Shape;407;p32"/>
           <p:cNvSpPr txBox="1"/>
           <p:nvPr>
             <p:ph idx="1" type="body"/>
@@ -19236,8 +19179,8 @@
         </p:nvSpPr>
         <p:spPr>
           <a:xfrm>
-            <a:off x="1274225" y="1167425"/>
-            <a:ext cx="7030500" cy="2541600"/>
+            <a:off x="1303800" y="1189800"/>
+            <a:ext cx="7431300" cy="2305800"/>
           </a:xfrm>
           <a:prstGeom prst="rect">
             <a:avLst/>
@@ -19264,11 +19207,7 @@
             </a:pPr>
             <a:r>
               <a:rPr lang="en-GB"/>
-              <a:t>m</a:t>
-            </a:r>
-            <a:r>
-              <a:rPr lang="en-GB"/>
-              <a:t>easure of the linear association between two variables (measures how changes in one variable are associated with changes in another variable)</a:t>
+              <a:t>standardized measure of the linear relationship between two variables</a:t>
             </a:r>
             <a:endParaRPr/>
           </a:p>
@@ -19288,7 +19227,7 @@
             </a:pPr>
             <a:r>
               <a:rPr lang="en-GB"/>
-              <a:t> positive =  variables tend to move in the same direction</a:t>
+              <a:t>quantifies the strength and direction of the relationship on a scale from -1 to +1</a:t>
             </a:r>
             <a:endParaRPr/>
           </a:p>
@@ -19308,7 +19247,67 @@
             </a:pPr>
             <a:r>
               <a:rPr lang="en-GB"/>
-              <a:t>does not provide a standardized measure and is sensitive to the units of the variables</a:t>
+              <a:t>+1 indicates a perfect positive linear relationship</a:t>
+            </a:r>
+            <a:endParaRPr/>
+          </a:p>
+          <a:p>
+            <a:pPr indent="-311150" lvl="0" marL="457200" rtl="0" algn="l">
+              <a:lnSpc>
+                <a:spcPct val="135714"/>
+              </a:lnSpc>
+              <a:spcBef>
+                <a:spcPts val="0"/>
+              </a:spcBef>
+              <a:spcAft>
+                <a:spcPts val="0"/>
+              </a:spcAft>
+              <a:buSzPts val="1300"/>
+              <a:buChar char="●"/>
+            </a:pPr>
+            <a:r>
+              <a:rPr lang="en-GB"/>
+              <a:t>-1 indicates a perfect negative linear relationship</a:t>
+            </a:r>
+            <a:endParaRPr/>
+          </a:p>
+          <a:p>
+            <a:pPr indent="-311150" lvl="0" marL="457200" rtl="0" algn="l">
+              <a:lnSpc>
+                <a:spcPct val="135714"/>
+              </a:lnSpc>
+              <a:spcBef>
+                <a:spcPts val="0"/>
+              </a:spcBef>
+              <a:spcAft>
+                <a:spcPts val="0"/>
+              </a:spcAft>
+              <a:buSzPts val="1300"/>
+              <a:buChar char="●"/>
+            </a:pPr>
+            <a:r>
+              <a:rPr lang="en-GB"/>
+              <a:t>0 indicates no linear relationship</a:t>
+            </a:r>
+            <a:endParaRPr/>
+          </a:p>
+          <a:p>
+            <a:pPr indent="-311150" lvl="0" marL="457200" rtl="0" algn="l">
+              <a:lnSpc>
+                <a:spcPct val="135714"/>
+              </a:lnSpc>
+              <a:spcBef>
+                <a:spcPts val="0"/>
+              </a:spcBef>
+              <a:spcAft>
+                <a:spcPts val="0"/>
+              </a:spcAft>
+              <a:buSzPts val="1300"/>
+              <a:buChar char="●"/>
+            </a:pPr>
+            <a:r>
+              <a:rPr lang="en-GB"/>
+              <a:t> unitless and not affected by the scale or units of the variable (easier to compare strength of relationship)</a:t>
             </a:r>
             <a:endParaRPr sz="1050">
               <a:solidFill>
@@ -19325,35 +19324,6 @@
           </a:p>
           <a:p>
             <a:pPr indent="0" lvl="0" marL="0" rtl="0" algn="l">
-              <a:lnSpc>
-                <a:spcPct val="135714"/>
-              </a:lnSpc>
-              <a:spcBef>
-                <a:spcPts val="0"/>
-              </a:spcBef>
-              <a:spcAft>
-                <a:spcPts val="0"/>
-              </a:spcAft>
-              <a:buNone/>
-            </a:pPr>
-            <a:r>
-              <a:t/>
-            </a:r>
-            <a:endParaRPr sz="1050">
-              <a:solidFill>
-                <a:srgbClr val="CCCCCC"/>
-              </a:solidFill>
-              <a:highlight>
-                <a:srgbClr val="1F1F1F"/>
-              </a:highlight>
-              <a:latin typeface="Courier New"/>
-              <a:ea typeface="Courier New"/>
-              <a:cs typeface="Courier New"/>
-              <a:sym typeface="Courier New"/>
-            </a:endParaRPr>
-          </a:p>
-          <a:p>
-            <a:pPr indent="0" lvl="0" marL="0" rtl="0" algn="l">
               <a:spcBef>
                 <a:spcPts val="0"/>
               </a:spcBef>
@@ -19371,6 +19341,33 @@
       </p:sp>
       <p:pic>
         <p:nvPicPr>
+          <p:cNvPr id="408" name="Google Shape;408;p32"/>
+          <p:cNvPicPr preferRelativeResize="0"/>
+          <p:nvPr/>
+        </p:nvPicPr>
+        <p:blipFill rotWithShape="1">
+          <a:blip r:embed="rId3">
+            <a:alphaModFix/>
+          </a:blip>
+          <a:srcRect b="50006" l="0" r="0" t="8860"/>
+          <a:stretch/>
+        </p:blipFill>
+        <p:spPr>
+          <a:xfrm>
+            <a:off x="1550425" y="3474125"/>
+            <a:ext cx="3062301" cy="999300"/>
+          </a:xfrm>
+          <a:prstGeom prst="rect">
+            <a:avLst/>
+          </a:prstGeom>
+          <a:noFill/>
+          <a:ln>
+            <a:noFill/>
+          </a:ln>
+        </p:spPr>
+      </p:pic>
+      <p:pic>
+        <p:nvPicPr>
           <p:cNvPr id="409" name="Google Shape;409;p32"/>
           <p:cNvPicPr preferRelativeResize="0"/>
           <p:nvPr/>
@@ -19379,13 +19376,13 @@
           <a:blip r:embed="rId3">
             <a:alphaModFix/>
           </a:blip>
-          <a:srcRect b="0" l="13275" r="13582" t="0"/>
+          <a:srcRect b="0" l="0" r="0" t="50007"/>
           <a:stretch/>
         </p:blipFill>
         <p:spPr>
           <a:xfrm>
-            <a:off x="1559325" y="2465250"/>
-            <a:ext cx="5372574" cy="2252700"/>
+            <a:off x="4808950" y="3460725"/>
+            <a:ext cx="3062301" cy="1214524"/>
           </a:xfrm>
           <a:prstGeom prst="rect">
             <a:avLst/>
@@ -19454,7 +19451,8 @@
               <a:buNone/>
             </a:pPr>
             <a:r>
-              <a:t/>
+              <a:rPr lang="en-GB"/>
+              <a:t>Covariance</a:t>
             </a:r>
             <a:endParaRPr/>
           </a:p>
@@ -19470,7 +19468,7 @@
         </p:nvSpPr>
         <p:spPr>
           <a:xfrm>
-            <a:off x="1303800" y="1990050"/>
+            <a:off x="1274225" y="1167425"/>
             <a:ext cx="7030500" cy="2541600"/>
           </a:xfrm>
           <a:prstGeom prst="rect">
@@ -19482,6 +19480,110 @@
             <a:normAutofit/>
           </a:bodyPr>
           <a:lstStyle/>
+          <a:p>
+            <a:pPr indent="-311150" lvl="0" marL="457200" rtl="0" algn="l">
+              <a:lnSpc>
+                <a:spcPct val="135714"/>
+              </a:lnSpc>
+              <a:spcBef>
+                <a:spcPts val="0"/>
+              </a:spcBef>
+              <a:spcAft>
+                <a:spcPts val="0"/>
+              </a:spcAft>
+              <a:buSzPts val="1300"/>
+              <a:buChar char="●"/>
+            </a:pPr>
+            <a:r>
+              <a:rPr lang="en-GB"/>
+              <a:t>m</a:t>
+            </a:r>
+            <a:r>
+              <a:rPr lang="en-GB"/>
+              <a:t>easure of the linear association between two variables (measures how changes in one variable are associated with changes in another variable)</a:t>
+            </a:r>
+            <a:endParaRPr/>
+          </a:p>
+          <a:p>
+            <a:pPr indent="-311150" lvl="0" marL="457200" rtl="0" algn="l">
+              <a:lnSpc>
+                <a:spcPct val="135714"/>
+              </a:lnSpc>
+              <a:spcBef>
+                <a:spcPts val="0"/>
+              </a:spcBef>
+              <a:spcAft>
+                <a:spcPts val="0"/>
+              </a:spcAft>
+              <a:buSzPts val="1300"/>
+              <a:buChar char="●"/>
+            </a:pPr>
+            <a:r>
+              <a:rPr lang="en-GB"/>
+              <a:t> positive =  variables tend to move in the same direction</a:t>
+            </a:r>
+            <a:endParaRPr/>
+          </a:p>
+          <a:p>
+            <a:pPr indent="-311150" lvl="0" marL="457200" rtl="0" algn="l">
+              <a:lnSpc>
+                <a:spcPct val="135714"/>
+              </a:lnSpc>
+              <a:spcBef>
+                <a:spcPts val="0"/>
+              </a:spcBef>
+              <a:spcAft>
+                <a:spcPts val="0"/>
+              </a:spcAft>
+              <a:buSzPts val="1300"/>
+              <a:buChar char="●"/>
+            </a:pPr>
+            <a:r>
+              <a:rPr lang="en-GB"/>
+              <a:t>does not provide a standardized measure and is sensitive to the units of the variables</a:t>
+            </a:r>
+            <a:endParaRPr sz="1050">
+              <a:solidFill>
+                <a:srgbClr val="CCCCCC"/>
+              </a:solidFill>
+              <a:highlight>
+                <a:srgbClr val="1F1F1F"/>
+              </a:highlight>
+              <a:latin typeface="Courier New"/>
+              <a:ea typeface="Courier New"/>
+              <a:cs typeface="Courier New"/>
+              <a:sym typeface="Courier New"/>
+            </a:endParaRPr>
+          </a:p>
+          <a:p>
+            <a:pPr indent="0" lvl="0" marL="0" rtl="0" algn="l">
+              <a:lnSpc>
+                <a:spcPct val="135714"/>
+              </a:lnSpc>
+              <a:spcBef>
+                <a:spcPts val="0"/>
+              </a:spcBef>
+              <a:spcAft>
+                <a:spcPts val="0"/>
+              </a:spcAft>
+              <a:buNone/>
+            </a:pPr>
+            <a:r>
+              <a:t/>
+            </a:r>
+            <a:endParaRPr sz="1050">
+              <a:solidFill>
+                <a:srgbClr val="CCCCCC"/>
+              </a:solidFill>
+              <a:highlight>
+                <a:srgbClr val="1F1F1F"/>
+              </a:highlight>
+              <a:latin typeface="Courier New"/>
+              <a:ea typeface="Courier New"/>
+              <a:cs typeface="Courier New"/>
+              <a:sym typeface="Courier New"/>
+            </a:endParaRPr>
+          </a:p>
           <a:p>
             <a:pPr indent="0" lvl="0" marL="0" rtl="0" algn="l">
               <a:spcBef>
@@ -19505,18 +19607,17 @@
           <p:cNvPicPr preferRelativeResize="0"/>
           <p:nvPr/>
         </p:nvPicPr>
-        <p:blipFill>
+        <p:blipFill rotWithShape="1">
           <a:blip r:embed="rId3">
             <a:alphaModFix/>
           </a:blip>
-          <a:stretch>
-            <a:fillRect/>
-          </a:stretch>
+          <a:srcRect b="0" l="13275" r="13582" t="0"/>
+          <a:stretch/>
         </p:blipFill>
         <p:spPr>
           <a:xfrm>
-            <a:off x="1181613" y="776800"/>
-            <a:ext cx="7274875" cy="3369050"/>
+            <a:off x="1559325" y="2465250"/>
+            <a:ext cx="5372574" cy="2252700"/>
           </a:xfrm>
           <a:prstGeom prst="rect">
             <a:avLst/>
@@ -19552,9 +19653,140 @@
           <a:chExt cx="0" cy="0"/>
         </a:xfrm>
       </p:grpSpPr>
+      <p:sp>
+        <p:nvSpPr>
+          <p:cNvPr id="421" name="Google Shape;421;p34"/>
+          <p:cNvSpPr txBox="1"/>
+          <p:nvPr>
+            <p:ph type="title"/>
+          </p:nvPr>
+        </p:nvSpPr>
+        <p:spPr>
+          <a:xfrm>
+            <a:off x="1303800" y="598575"/>
+            <a:ext cx="7030500" cy="999300"/>
+          </a:xfrm>
+          <a:prstGeom prst="rect">
+            <a:avLst/>
+          </a:prstGeom>
+        </p:spPr>
+        <p:txBody>
+          <a:bodyPr anchorCtr="0" anchor="t" bIns="91425" lIns="91425" spcFirstLastPara="1" rIns="91425" wrap="square" tIns="91425">
+            <a:normAutofit/>
+          </a:bodyPr>
+          <a:lstStyle/>
+          <a:p>
+            <a:pPr indent="0" lvl="0" marL="0" rtl="0" algn="l">
+              <a:spcBef>
+                <a:spcPts val="0"/>
+              </a:spcBef>
+              <a:spcAft>
+                <a:spcPts val="0"/>
+              </a:spcAft>
+              <a:buNone/>
+            </a:pPr>
+            <a:r>
+              <a:t/>
+            </a:r>
+            <a:endParaRPr/>
+          </a:p>
+        </p:txBody>
+      </p:sp>
+      <p:sp>
+        <p:nvSpPr>
+          <p:cNvPr id="422" name="Google Shape;422;p34"/>
+          <p:cNvSpPr txBox="1"/>
+          <p:nvPr>
+            <p:ph idx="1" type="body"/>
+          </p:nvPr>
+        </p:nvSpPr>
+        <p:spPr>
+          <a:xfrm>
+            <a:off x="1303800" y="1990050"/>
+            <a:ext cx="7030500" cy="2541600"/>
+          </a:xfrm>
+          <a:prstGeom prst="rect">
+            <a:avLst/>
+          </a:prstGeom>
+        </p:spPr>
+        <p:txBody>
+          <a:bodyPr anchorCtr="0" anchor="t" bIns="91425" lIns="91425" spcFirstLastPara="1" rIns="91425" wrap="square" tIns="91425">
+            <a:normAutofit/>
+          </a:bodyPr>
+          <a:lstStyle/>
+          <a:p>
+            <a:pPr indent="0" lvl="0" marL="0" rtl="0" algn="l">
+              <a:spcBef>
+                <a:spcPts val="0"/>
+              </a:spcBef>
+              <a:spcAft>
+                <a:spcPts val="1200"/>
+              </a:spcAft>
+              <a:buNone/>
+            </a:pPr>
+            <a:r>
+              <a:t/>
+            </a:r>
+            <a:endParaRPr/>
+          </a:p>
+        </p:txBody>
+      </p:sp>
+      <p:pic>
+        <p:nvPicPr>
+          <p:cNvPr id="423" name="Google Shape;423;p34"/>
+          <p:cNvPicPr preferRelativeResize="0"/>
+          <p:nvPr/>
+        </p:nvPicPr>
+        <p:blipFill>
+          <a:blip r:embed="rId3">
+            <a:alphaModFix/>
+          </a:blip>
+          <a:stretch>
+            <a:fillRect/>
+          </a:stretch>
+        </p:blipFill>
+        <p:spPr>
+          <a:xfrm>
+            <a:off x="1181613" y="776800"/>
+            <a:ext cx="7274875" cy="3369050"/>
+          </a:xfrm>
+          <a:prstGeom prst="rect">
+            <a:avLst/>
+          </a:prstGeom>
+          <a:noFill/>
+          <a:ln>
+            <a:noFill/>
+          </a:ln>
+        </p:spPr>
+      </p:pic>
+    </p:spTree>
+  </p:cSld>
+  <p:clrMapOvr>
+    <a:masterClrMapping/>
+  </p:clrMapOvr>
+</p:sld>
+</file>
+
+<file path=ppt/slides/slide23.xml><?xml version="1.0" encoding="utf-8"?>
+<p:sld xmlns:a="http://schemas.openxmlformats.org/drawingml/2006/main" xmlns:r="http://schemas.openxmlformats.org/officeDocument/2006/relationships" xmlns:mc="http://schemas.openxmlformats.org/markup-compatibility/2006" xmlns:mv="urn:schemas-microsoft-com:mac:vml" xmlns:p="http://schemas.openxmlformats.org/presentationml/2006/main" xmlns:c="http://schemas.openxmlformats.org/drawingml/2006/chart" xmlns:dgm="http://schemas.openxmlformats.org/drawingml/2006/diagram" xmlns:o="urn:schemas-microsoft-com:office:office" xmlns:v="urn:schemas-microsoft-com:vml" xmlns:pvml="urn:schemas-microsoft-com:office:powerpoint" xmlns:com="http://schemas.openxmlformats.org/drawingml/2006/compatibility" xmlns:p14="http://schemas.microsoft.com/office/powerpoint/2010/main" xmlns:p15="http://schemas.microsoft.com/office/powerpoint/2012/main" xmlns:ahyp="http://schemas.microsoft.com/office/drawing/2018/hyperlinkcolor">
+  <p:cSld>
+    <p:spTree>
+      <p:nvGrpSpPr>
+        <p:cNvPr id="427" name="Shape 427"/>
+        <p:cNvGrpSpPr/>
+        <p:nvPr/>
+      </p:nvGrpSpPr>
+      <p:grpSpPr>
+        <a:xfrm>
+          <a:off x="0" y="0"/>
+          <a:ext cx="0" cy="0"/>
+          <a:chOff x="0" y="0"/>
+          <a:chExt cx="0" cy="0"/>
+        </a:xfrm>
+      </p:grpSpPr>
       <p:graphicFrame>
         <p:nvGraphicFramePr>
-          <p:cNvPr id="421" name="Google Shape;421;p34"/>
+          <p:cNvPr id="428" name="Google Shape;428;p35"/>
           <p:cNvGraphicFramePr/>
           <p:nvPr/>
         </p:nvGraphicFramePr>
@@ -19567,7 +19799,7 @@
             <a:tbl>
               <a:tblPr>
                 <a:noFill/>
-                <a:tableStyleId>{D22CF0DF-4E0C-4CA3-AB81-B74BE6B62BAB}</a:tableStyleId>
+                <a:tableStyleId>{ABB52837-BAE8-43AE-B8A1-0628DA799333}</a:tableStyleId>
               </a:tblPr>
               <a:tblGrid>
                 <a:gridCol w="1577950"/>
@@ -20580,7 +20812,7 @@
       </p:graphicFrame>
       <p:pic>
         <p:nvPicPr>
-          <p:cNvPr id="422" name="Google Shape;422;p34"/>
+          <p:cNvPr id="429" name="Google Shape;429;p35"/>
           <p:cNvPicPr preferRelativeResize="0"/>
           <p:nvPr/>
         </p:nvPicPr>
@@ -20608,7 +20840,7 @@
       </p:pic>
       <p:pic>
         <p:nvPicPr>
-          <p:cNvPr id="423" name="Google Shape;423;p34"/>
+          <p:cNvPr id="430" name="Google Shape;430;p35"/>
           <p:cNvPicPr preferRelativeResize="0"/>
           <p:nvPr/>
         </p:nvPicPr>
@@ -21990,6 +22222,285 @@
 </file>
 
 <file path=ppt/theme/theme1.xml><?xml version="1.0" encoding="utf-8"?>
+<a:theme xmlns:a="http://schemas.openxmlformats.org/drawingml/2006/main" xmlns:r="http://schemas.openxmlformats.org/officeDocument/2006/relationships" name="Momentum">
+  <a:themeElements>
+    <a:clrScheme name="Momentum">
+      <a:dk1>
+        <a:srgbClr val="C0791B"/>
+      </a:dk1>
+      <a:lt1>
+        <a:srgbClr val="FFFFFF"/>
+      </a:lt1>
+      <a:dk2>
+        <a:srgbClr val="424242"/>
+      </a:dk2>
+      <a:lt2>
+        <a:srgbClr val="8DD8D3"/>
+      </a:lt2>
+      <a:accent1>
+        <a:srgbClr val="0B6374"/>
+      </a:accent1>
+      <a:accent2>
+        <a:srgbClr val="FD5B58"/>
+      </a:accent2>
+      <a:accent3>
+        <a:srgbClr val="599191"/>
+      </a:accent3>
+      <a:accent4>
+        <a:srgbClr val="D7E6A3"/>
+      </a:accent4>
+      <a:accent5>
+        <a:srgbClr val="27278B"/>
+      </a:accent5>
+      <a:accent6>
+        <a:srgbClr val="D558AB"/>
+      </a:accent6>
+      <a:hlink>
+        <a:srgbClr val="27278B"/>
+      </a:hlink>
+      <a:folHlink>
+        <a:srgbClr val="27278B"/>
+      </a:folHlink>
+    </a:clrScheme>
+    <a:fontScheme name="Office">
+      <a:majorFont>
+        <a:latin typeface="Arial"/>
+        <a:ea typeface=""/>
+        <a:cs typeface=""/>
+        <a:font script="Jpan" typeface="ＭＳ Ｐゴシック"/>
+        <a:font script="Hang" typeface="맑은 고딕"/>
+        <a:font script="Hans" typeface="宋体"/>
+        <a:font script="Hant" typeface="新細明體"/>
+        <a:font script="Arab" typeface="Times New Roman"/>
+        <a:font script="Hebr" typeface="Times New Roman"/>
+        <a:font script="Thai" typeface="Angsana New"/>
+        <a:font script="Ethi" typeface="Nyala"/>
+        <a:font script="Beng" typeface="Vrinda"/>
+        <a:font script="Gujr" typeface="Shruti"/>
+        <a:font script="Khmr" typeface="MoolBoran"/>
+        <a:font script="Knda" typeface="Tunga"/>
+        <a:font script="Guru" typeface="Raavi"/>
+        <a:font script="Cans" typeface="Euphemia"/>
+        <a:font script="Cher" typeface="Plantagenet Cherokee"/>
+        <a:font script="Yiii" typeface="Microsoft Yi Baiti"/>
+        <a:font script="Tibt" typeface="Microsoft Himalaya"/>
+        <a:font script="Thaa" typeface="MV Boli"/>
+        <a:font script="Deva" typeface="Mangal"/>
+        <a:font script="Telu" typeface="Gautami"/>
+        <a:font script="Taml" typeface="Latha"/>
+        <a:font script="Syrc" typeface="Estrangelo Edessa"/>
+        <a:font script="Orya" typeface="Kalinga"/>
+        <a:font script="Mlym" typeface="Kartika"/>
+        <a:font script="Laoo" typeface="DokChampa"/>
+        <a:font script="Sinh" typeface="Iskoola Pota"/>
+        <a:font script="Mong" typeface="Mongolian Baiti"/>
+        <a:font script="Viet" typeface="Times New Roman"/>
+        <a:font script="Uigh" typeface="Microsoft Uighur"/>
+        <a:font script="Geor" typeface="Sylfaen"/>
+      </a:majorFont>
+      <a:minorFont>
+        <a:latin typeface="Arial"/>
+        <a:ea typeface=""/>
+        <a:cs typeface=""/>
+        <a:font script="Jpan" typeface="ＭＳ Ｐゴシック"/>
+        <a:font script="Hang" typeface="맑은 고딕"/>
+        <a:font script="Hans" typeface="宋体"/>
+        <a:font script="Hant" typeface="新細明體"/>
+        <a:font script="Arab" typeface="Arial"/>
+        <a:font script="Hebr" typeface="Arial"/>
+        <a:font script="Thai" typeface="Cordia New"/>
+        <a:font script="Ethi" typeface="Nyala"/>
+        <a:font script="Beng" typeface="Vrinda"/>
+        <a:font script="Gujr" typeface="Shruti"/>
+        <a:font script="Khmr" typeface="DaunPenh"/>
+        <a:font script="Knda" typeface="Tunga"/>
+        <a:font script="Guru" typeface="Raavi"/>
+        <a:font script="Cans" typeface="Euphemia"/>
+        <a:font script="Cher" typeface="Plantagenet Cherokee"/>
+        <a:font script="Yiii" typeface="Microsoft Yi Baiti"/>
+        <a:font script="Tibt" typeface="Microsoft Himalaya"/>
+        <a:font script="Thaa" typeface="MV Boli"/>
+        <a:font script="Deva" typeface="Mangal"/>
+        <a:font script="Telu" typeface="Gautami"/>
+        <a:font script="Taml" typeface="Latha"/>
+        <a:font script="Syrc" typeface="Estrangelo Edessa"/>
+        <a:font script="Orya" typeface="Kalinga"/>
+        <a:font script="Mlym" typeface="Kartika"/>
+        <a:font script="Laoo" typeface="DokChampa"/>
+        <a:font script="Sinh" typeface="Iskoola Pota"/>
+        <a:font script="Mong" typeface="Mongolian Baiti"/>
+        <a:font script="Viet" typeface="Arial"/>
+        <a:font script="Uigh" typeface="Microsoft Uighur"/>
+        <a:font script="Geor" typeface="Sylfaen"/>
+      </a:minorFont>
+    </a:fontScheme>
+    <a:fmtScheme name="Office">
+      <a:fillStyleLst>
+        <a:solidFill>
+          <a:schemeClr val="phClr"/>
+        </a:solidFill>
+        <a:gradFill rotWithShape="1">
+          <a:gsLst>
+            <a:gs pos="0">
+              <a:schemeClr val="phClr">
+                <a:tint val="50000"/>
+                <a:satMod val="300000"/>
+              </a:schemeClr>
+            </a:gs>
+            <a:gs pos="35000">
+              <a:schemeClr val="phClr">
+                <a:tint val="37000"/>
+                <a:satMod val="300000"/>
+              </a:schemeClr>
+            </a:gs>
+            <a:gs pos="100000">
+              <a:schemeClr val="phClr">
+                <a:tint val="15000"/>
+                <a:satMod val="350000"/>
+              </a:schemeClr>
+            </a:gs>
+          </a:gsLst>
+          <a:lin ang="16200000" scaled="1"/>
+        </a:gradFill>
+        <a:gradFill rotWithShape="1">
+          <a:gsLst>
+            <a:gs pos="0">
+              <a:schemeClr val="phClr">
+                <a:tint val="100000"/>
+                <a:shade val="100000"/>
+                <a:satMod val="130000"/>
+              </a:schemeClr>
+            </a:gs>
+            <a:gs pos="100000">
+              <a:schemeClr val="phClr">
+                <a:tint val="50000"/>
+                <a:shade val="100000"/>
+                <a:satMod val="350000"/>
+              </a:schemeClr>
+            </a:gs>
+          </a:gsLst>
+          <a:lin ang="16200000" scaled="0"/>
+        </a:gradFill>
+      </a:fillStyleLst>
+      <a:lnStyleLst>
+        <a:ln w="9525" cap="flat" cmpd="sng" algn="ctr">
+          <a:solidFill>
+            <a:schemeClr val="phClr">
+              <a:shade val="95000"/>
+              <a:satMod val="105000"/>
+            </a:schemeClr>
+          </a:solidFill>
+          <a:prstDash val="solid"/>
+        </a:ln>
+        <a:ln w="25400" cap="flat" cmpd="sng" algn="ctr">
+          <a:solidFill>
+            <a:schemeClr val="phClr"/>
+          </a:solidFill>
+          <a:prstDash val="solid"/>
+        </a:ln>
+        <a:ln w="38100" cap="flat" cmpd="sng" algn="ctr">
+          <a:solidFill>
+            <a:schemeClr val="phClr"/>
+          </a:solidFill>
+          <a:prstDash val="solid"/>
+        </a:ln>
+      </a:lnStyleLst>
+      <a:effectStyleLst>
+        <a:effectStyle>
+          <a:effectLst>
+            <a:outerShdw blurRad="40000" dist="20000" dir="5400000" rotWithShape="0">
+              <a:srgbClr val="000000">
+                <a:alpha val="38000"/>
+              </a:srgbClr>
+            </a:outerShdw>
+          </a:effectLst>
+        </a:effectStyle>
+        <a:effectStyle>
+          <a:effectLst>
+            <a:outerShdw blurRad="40000" dist="23000" dir="5400000" rotWithShape="0">
+              <a:srgbClr val="000000">
+                <a:alpha val="35000"/>
+              </a:srgbClr>
+            </a:outerShdw>
+          </a:effectLst>
+        </a:effectStyle>
+        <a:effectStyle>
+          <a:effectLst>
+            <a:outerShdw blurRad="40000" dist="23000" dir="5400000" rotWithShape="0">
+              <a:srgbClr val="000000">
+                <a:alpha val="35000"/>
+              </a:srgbClr>
+            </a:outerShdw>
+          </a:effectLst>
+          <a:scene3d>
+            <a:camera prst="orthographicFront">
+              <a:rot lat="0" lon="0" rev="0"/>
+            </a:camera>
+            <a:lightRig rig="threePt" dir="t">
+              <a:rot lat="0" lon="0" rev="1200000"/>
+            </a:lightRig>
+          </a:scene3d>
+          <a:sp3d>
+            <a:bevelT w="63500" h="25400"/>
+          </a:sp3d>
+        </a:effectStyle>
+      </a:effectStyleLst>
+      <a:bgFillStyleLst>
+        <a:solidFill>
+          <a:schemeClr val="phClr"/>
+        </a:solidFill>
+        <a:gradFill rotWithShape="1">
+          <a:gsLst>
+            <a:gs pos="0">
+              <a:schemeClr val="phClr">
+                <a:tint val="40000"/>
+                <a:satMod val="350000"/>
+              </a:schemeClr>
+            </a:gs>
+            <a:gs pos="40000">
+              <a:schemeClr val="phClr">
+                <a:tint val="45000"/>
+                <a:shade val="99000"/>
+                <a:satMod val="350000"/>
+              </a:schemeClr>
+            </a:gs>
+            <a:gs pos="100000">
+              <a:schemeClr val="phClr">
+                <a:shade val="20000"/>
+                <a:satMod val="255000"/>
+              </a:schemeClr>
+            </a:gs>
+          </a:gsLst>
+          <a:path path="circle">
+            <a:fillToRect l="50000" t="-80000" r="50000" b="180000"/>
+          </a:path>
+        </a:gradFill>
+        <a:gradFill rotWithShape="1">
+          <a:gsLst>
+            <a:gs pos="0">
+              <a:schemeClr val="phClr">
+                <a:tint val="80000"/>
+                <a:satMod val="300000"/>
+              </a:schemeClr>
+            </a:gs>
+            <a:gs pos="100000">
+              <a:schemeClr val="phClr">
+                <a:shade val="30000"/>
+                <a:satMod val="200000"/>
+              </a:schemeClr>
+            </a:gs>
+          </a:gsLst>
+          <a:path path="circle">
+            <a:fillToRect l="50000" t="50000" r="50000" b="50000"/>
+          </a:path>
+        </a:gradFill>
+      </a:bgFillStyleLst>
+    </a:fmtScheme>
+  </a:themeElements>
+</a:theme>
+</file>
+
+<file path=ppt/theme/theme2.xml><?xml version="1.0" encoding="utf-8"?>
 <a:theme xmlns:a="http://schemas.openxmlformats.org/drawingml/2006/main" xmlns:r="http://schemas.openxmlformats.org/officeDocument/2006/relationships">
   <a:themeElements>
     <a:clrScheme name="Default">
@@ -22266,283 +22777,4 @@
     </a:fmtScheme>
   </a:themeElements>
 </a:theme>
-</file>
-
-<file path=ppt/theme/theme2.xml><?xml version="1.0" encoding="utf-8"?>
-<a:theme xmlns:a="http://schemas.openxmlformats.org/drawingml/2006/main" xmlns:r="http://schemas.openxmlformats.org/officeDocument/2006/relationships" name="Momentum">
-  <a:themeElements>
-    <a:clrScheme name="Momentum">
-      <a:dk1>
-        <a:srgbClr val="C0791B"/>
-      </a:dk1>
-      <a:lt1>
-        <a:srgbClr val="FFFFFF"/>
-      </a:lt1>
-      <a:dk2>
-        <a:srgbClr val="424242"/>
-      </a:dk2>
-      <a:lt2>
-        <a:srgbClr val="8DD8D3"/>
-      </a:lt2>
-      <a:accent1>
-        <a:srgbClr val="0B6374"/>
-      </a:accent1>
-      <a:accent2>
-        <a:srgbClr val="FD5B58"/>
-      </a:accent2>
-      <a:accent3>
-        <a:srgbClr val="599191"/>
-      </a:accent3>
-      <a:accent4>
-        <a:srgbClr val="D7E6A3"/>
-      </a:accent4>
-      <a:accent5>
-        <a:srgbClr val="27278B"/>
-      </a:accent5>
-      <a:accent6>
-        <a:srgbClr val="D558AB"/>
-      </a:accent6>
-      <a:hlink>
-        <a:srgbClr val="27278B"/>
-      </a:hlink>
-      <a:folHlink>
-        <a:srgbClr val="27278B"/>
-      </a:folHlink>
-    </a:clrScheme>
-    <a:fontScheme name="Office">
-      <a:majorFont>
-        <a:latin typeface="Arial"/>
-        <a:ea typeface=""/>
-        <a:cs typeface=""/>
-        <a:font script="Jpan" typeface="ＭＳ Ｐゴシック"/>
-        <a:font script="Hang" typeface="맑은 고딕"/>
-        <a:font script="Hans" typeface="宋体"/>
-        <a:font script="Hant" typeface="新細明體"/>
-        <a:font script="Arab" typeface="Times New Roman"/>
-        <a:font script="Hebr" typeface="Times New Roman"/>
-        <a:font script="Thai" typeface="Angsana New"/>
-        <a:font script="Ethi" typeface="Nyala"/>
-        <a:font script="Beng" typeface="Vrinda"/>
-        <a:font script="Gujr" typeface="Shruti"/>
-        <a:font script="Khmr" typeface="MoolBoran"/>
-        <a:font script="Knda" typeface="Tunga"/>
-        <a:font script="Guru" typeface="Raavi"/>
-        <a:font script="Cans" typeface="Euphemia"/>
-        <a:font script="Cher" typeface="Plantagenet Cherokee"/>
-        <a:font script="Yiii" typeface="Microsoft Yi Baiti"/>
-        <a:font script="Tibt" typeface="Microsoft Himalaya"/>
-        <a:font script="Thaa" typeface="MV Boli"/>
-        <a:font script="Deva" typeface="Mangal"/>
-        <a:font script="Telu" typeface="Gautami"/>
-        <a:font script="Taml" typeface="Latha"/>
-        <a:font script="Syrc" typeface="Estrangelo Edessa"/>
-        <a:font script="Orya" typeface="Kalinga"/>
-        <a:font script="Mlym" typeface="Kartika"/>
-        <a:font script="Laoo" typeface="DokChampa"/>
-        <a:font script="Sinh" typeface="Iskoola Pota"/>
-        <a:font script="Mong" typeface="Mongolian Baiti"/>
-        <a:font script="Viet" typeface="Times New Roman"/>
-        <a:font script="Uigh" typeface="Microsoft Uighur"/>
-        <a:font script="Geor" typeface="Sylfaen"/>
-      </a:majorFont>
-      <a:minorFont>
-        <a:latin typeface="Arial"/>
-        <a:ea typeface=""/>
-        <a:cs typeface=""/>
-        <a:font script="Jpan" typeface="ＭＳ Ｐゴシック"/>
-        <a:font script="Hang" typeface="맑은 고딕"/>
-        <a:font script="Hans" typeface="宋体"/>
-        <a:font script="Hant" typeface="新細明體"/>
-        <a:font script="Arab" typeface="Arial"/>
-        <a:font script="Hebr" typeface="Arial"/>
-        <a:font script="Thai" typeface="Cordia New"/>
-        <a:font script="Ethi" typeface="Nyala"/>
-        <a:font script="Beng" typeface="Vrinda"/>
-        <a:font script="Gujr" typeface="Shruti"/>
-        <a:font script="Khmr" typeface="DaunPenh"/>
-        <a:font script="Knda" typeface="Tunga"/>
-        <a:font script="Guru" typeface="Raavi"/>
-        <a:font script="Cans" typeface="Euphemia"/>
-        <a:font script="Cher" typeface="Plantagenet Cherokee"/>
-        <a:font script="Yiii" typeface="Microsoft Yi Baiti"/>
-        <a:font script="Tibt" typeface="Microsoft Himalaya"/>
-        <a:font script="Thaa" typeface="MV Boli"/>
-        <a:font script="Deva" typeface="Mangal"/>
-        <a:font script="Telu" typeface="Gautami"/>
-        <a:font script="Taml" typeface="Latha"/>
-        <a:font script="Syrc" typeface="Estrangelo Edessa"/>
-        <a:font script="Orya" typeface="Kalinga"/>
-        <a:font script="Mlym" typeface="Kartika"/>
-        <a:font script="Laoo" typeface="DokChampa"/>
-        <a:font script="Sinh" typeface="Iskoola Pota"/>
-        <a:font script="Mong" typeface="Mongolian Baiti"/>
-        <a:font script="Viet" typeface="Arial"/>
-        <a:font script="Uigh" typeface="Microsoft Uighur"/>
-        <a:font script="Geor" typeface="Sylfaen"/>
-      </a:minorFont>
-    </a:fontScheme>
-    <a:fmtScheme name="Office">
-      <a:fillStyleLst>
-        <a:solidFill>
-          <a:schemeClr val="phClr"/>
-        </a:solidFill>
-        <a:gradFill rotWithShape="1">
-          <a:gsLst>
-            <a:gs pos="0">
-              <a:schemeClr val="phClr">
-                <a:tint val="50000"/>
-                <a:satMod val="300000"/>
-              </a:schemeClr>
-            </a:gs>
-            <a:gs pos="35000">
-              <a:schemeClr val="phClr">
-                <a:tint val="37000"/>
-                <a:satMod val="300000"/>
-              </a:schemeClr>
-            </a:gs>
-            <a:gs pos="100000">
-              <a:schemeClr val="phClr">
-                <a:tint val="15000"/>
-                <a:satMod val="350000"/>
-              </a:schemeClr>
-            </a:gs>
-          </a:gsLst>
-          <a:lin ang="16200000" scaled="1"/>
-        </a:gradFill>
-        <a:gradFill rotWithShape="1">
-          <a:gsLst>
-            <a:gs pos="0">
-              <a:schemeClr val="phClr">
-                <a:tint val="100000"/>
-                <a:shade val="100000"/>
-                <a:satMod val="130000"/>
-              </a:schemeClr>
-            </a:gs>
-            <a:gs pos="100000">
-              <a:schemeClr val="phClr">
-                <a:tint val="50000"/>
-                <a:shade val="100000"/>
-                <a:satMod val="350000"/>
-              </a:schemeClr>
-            </a:gs>
-          </a:gsLst>
-          <a:lin ang="16200000" scaled="0"/>
-        </a:gradFill>
-      </a:fillStyleLst>
-      <a:lnStyleLst>
-        <a:ln w="9525" cap="flat" cmpd="sng" algn="ctr">
-          <a:solidFill>
-            <a:schemeClr val="phClr">
-              <a:shade val="95000"/>
-              <a:satMod val="105000"/>
-            </a:schemeClr>
-          </a:solidFill>
-          <a:prstDash val="solid"/>
-        </a:ln>
-        <a:ln w="25400" cap="flat" cmpd="sng" algn="ctr">
-          <a:solidFill>
-            <a:schemeClr val="phClr"/>
-          </a:solidFill>
-          <a:prstDash val="solid"/>
-        </a:ln>
-        <a:ln w="38100" cap="flat" cmpd="sng" algn="ctr">
-          <a:solidFill>
-            <a:schemeClr val="phClr"/>
-          </a:solidFill>
-          <a:prstDash val="solid"/>
-        </a:ln>
-      </a:lnStyleLst>
-      <a:effectStyleLst>
-        <a:effectStyle>
-          <a:effectLst>
-            <a:outerShdw blurRad="40000" dist="20000" dir="5400000" rotWithShape="0">
-              <a:srgbClr val="000000">
-                <a:alpha val="38000"/>
-              </a:srgbClr>
-            </a:outerShdw>
-          </a:effectLst>
-        </a:effectStyle>
-        <a:effectStyle>
-          <a:effectLst>
-            <a:outerShdw blurRad="40000" dist="23000" dir="5400000" rotWithShape="0">
-              <a:srgbClr val="000000">
-                <a:alpha val="35000"/>
-              </a:srgbClr>
-            </a:outerShdw>
-          </a:effectLst>
-        </a:effectStyle>
-        <a:effectStyle>
-          <a:effectLst>
-            <a:outerShdw blurRad="40000" dist="23000" dir="5400000" rotWithShape="0">
-              <a:srgbClr val="000000">
-                <a:alpha val="35000"/>
-              </a:srgbClr>
-            </a:outerShdw>
-          </a:effectLst>
-          <a:scene3d>
-            <a:camera prst="orthographicFront">
-              <a:rot lat="0" lon="0" rev="0"/>
-            </a:camera>
-            <a:lightRig rig="threePt" dir="t">
-              <a:rot lat="0" lon="0" rev="1200000"/>
-            </a:lightRig>
-          </a:scene3d>
-          <a:sp3d>
-            <a:bevelT w="63500" h="25400"/>
-          </a:sp3d>
-        </a:effectStyle>
-      </a:effectStyleLst>
-      <a:bgFillStyleLst>
-        <a:solidFill>
-          <a:schemeClr val="phClr"/>
-        </a:solidFill>
-        <a:gradFill rotWithShape="1">
-          <a:gsLst>
-            <a:gs pos="0">
-              <a:schemeClr val="phClr">
-                <a:tint val="40000"/>
-                <a:satMod val="350000"/>
-              </a:schemeClr>
-            </a:gs>
-            <a:gs pos="40000">
-              <a:schemeClr val="phClr">
-                <a:tint val="45000"/>
-                <a:shade val="99000"/>
-                <a:satMod val="350000"/>
-              </a:schemeClr>
-            </a:gs>
-            <a:gs pos="100000">
-              <a:schemeClr val="phClr">
-                <a:shade val="20000"/>
-                <a:satMod val="255000"/>
-              </a:schemeClr>
-            </a:gs>
-          </a:gsLst>
-          <a:path path="circle">
-            <a:fillToRect l="50000" t="-80000" r="50000" b="180000"/>
-          </a:path>
-        </a:gradFill>
-        <a:gradFill rotWithShape="1">
-          <a:gsLst>
-            <a:gs pos="0">
-              <a:schemeClr val="phClr">
-                <a:tint val="80000"/>
-                <a:satMod val="300000"/>
-              </a:schemeClr>
-            </a:gs>
-            <a:gs pos="100000">
-              <a:schemeClr val="phClr">
-                <a:shade val="30000"/>
-                <a:satMod val="200000"/>
-              </a:schemeClr>
-            </a:gs>
-          </a:gsLst>
-          <a:path path="circle">
-            <a:fillToRect l="50000" t="50000" r="50000" b="50000"/>
-          </a:path>
-        </a:gradFill>
-      </a:bgFillStyleLst>
-    </a:fmtScheme>
-  </a:themeElements>
-</a:theme>
 </file>